--- a/go introduction-revice.pptx
+++ b/go introduction-revice.pptx
@@ -1072,6 +1072,41 @@
         <p:txBody>
           <a:bodyPr/>
           <a:p>
+            <a:r>
+              <a:rPr lang="zh-CN" altLang="en-US"/>
+              <a:t>M代表OS线程，G代表goroutine，P的概念比较重要，它表示【当前】执行的上下文，其数量由$GOMAXPROCS决定，一般来说正好等于处理器的数量。M必须和P绑定才能执行G，调度器需要保证所有的P都有G执行，以保证并行度。</a:t>
+            </a:r>
+            <a:endParaRPr lang="zh-CN" altLang="en-US"/>
+          </a:p>
+          <a:p>
+            <a:endParaRPr lang="zh-CN" altLang="en-US"/>
+          </a:p>
+          <a:p>
+            <a:r>
+              <a:rPr lang="zh-CN" altLang="en-US"/>
+              <a:t>意味着goroutine更轻量级，可以同时相应成千上万的线程切换，java你创造上千个线程就有些吃力了。</a:t>
+            </a:r>
+            <a:endParaRPr lang="zh-CN" altLang="en-US"/>
+          </a:p>
+          <a:p>
+            <a:endParaRPr lang="zh-CN" altLang="en-US"/>
+          </a:p>
+          <a:p>
+            <a:r>
+              <a:rPr lang="en-US" altLang="zh-CN"/>
+              <a:t>key: goroutine</a:t>
+            </a:r>
+            <a:r>
+              <a:rPr lang="zh-CN" altLang="en-US"/>
+              <a:t>的</a:t>
+            </a:r>
+            <a:r>
+              <a:rPr lang="zh-CN" altLang="en-US"/>
+              <a:t>切换速度，并行度</a:t>
+            </a:r>
+            <a:endParaRPr lang="zh-CN" altLang="en-US"/>
+          </a:p>
+          <a:p>
             <a:endParaRPr lang="zh-CN" altLang="en-US"/>
           </a:p>
         </p:txBody>
@@ -1115,6 +1150,38 @@
         <p:spPr/>
         <p:txBody>
           <a:bodyPr/>
+          <a:p>
+            <a:r>
+              <a:rPr lang="zh-CN" altLang="en-US">
+                <a:sym typeface="+mn-ea"/>
+              </a:rPr>
+              <a:t>其好处之一是，当某goroutine发生阻塞时（例如同步IO操作等），会自动出让CPU给其它goroutine。</a:t>
+            </a:r>
+            <a:endParaRPr lang="zh-CN" altLang="en-US">
+              <a:sym typeface="+mn-ea"/>
+            </a:endParaRPr>
+          </a:p>
+          <a:p>
+            <a:r>
+              <a:rPr lang="zh-CN" altLang="en-US">
+                <a:sym typeface="+mn-ea"/>
+              </a:rPr>
+              <a:t>goroutine是非常轻量级的，它就是一段代码，一个函数入口，以及在堆上为其分配的一个堆栈（初始大小为4K，会随着程序的执行自动增长删除）。所以它非常廉价，我们可以很轻松的创建上万个goroutine</a:t>
+            </a:r>
+            <a:endParaRPr lang="zh-CN" altLang="en-US">
+              <a:sym typeface="+mn-ea"/>
+            </a:endParaRPr>
+          </a:p>
+          <a:p>
+            <a:endParaRPr lang="zh-CN" altLang="en-US">
+              <a:sym typeface="+mn-ea"/>
+            </a:endParaRPr>
+          </a:p>
+          <a:p>
+            <a:endParaRPr lang="zh-CN" altLang="en-US">
+              <a:sym typeface="+mn-ea"/>
+            </a:endParaRPr>
+          </a:p>
           <a:p>
             <a:r>
               <a:rPr lang="zh-CN" altLang="en-US">
@@ -7406,13 +7473,7 @@
               <a:rPr lang="zh-CN" altLang="en-US">
                 <a:sym typeface="+mn-ea"/>
               </a:rPr>
-              <a:t>    fmt.Fprintf(os.Stdout, "%s, ", "hello");</a:t>
-            </a:r>
-            <a:r>
-              <a:rPr lang="zh-CN" altLang="en-US">
-                <a:sym typeface="+mn-ea"/>
-              </a:rPr>
-              <a:t>//unbuffered</a:t>
+              <a:t>    fmt.Fprintf(os.Stdout, "%s, ", "hello");//unbuffered</a:t>
             </a:r>
             <a:endParaRPr lang="zh-CN" altLang="en-US"/>
           </a:p>
@@ -7439,13 +7500,7 @@
               <a:rPr lang="zh-CN" altLang="en-US">
                 <a:sym typeface="+mn-ea"/>
               </a:rPr>
-              <a:t>(os.Stdout);</a:t>
-            </a:r>
-            <a:r>
-              <a:rPr lang="zh-CN" altLang="en-US">
-                <a:sym typeface="+mn-ea"/>
-              </a:rPr>
-              <a:t>//</a:t>
+              <a:t>(os.Stdout);//</a:t>
             </a:r>
             <a:r>
               <a:rPr lang="en-US" altLang="zh-CN">
@@ -7868,10 +7923,15 @@
             <p:ph idx="1"/>
           </p:nvPr>
         </p:nvSpPr>
-        <p:spPr/>
+        <p:spPr>
+          <a:xfrm>
+            <a:off x="838200" y="1825625"/>
+            <a:ext cx="5855970" cy="4351655"/>
+          </a:xfrm>
+        </p:spPr>
         <p:txBody>
           <a:bodyPr>
-            <a:normAutofit/>
+            <a:normAutofit lnSpcReduction="10000"/>
           </a:bodyPr>
           <a:p>
             <a:pPr marL="0" indent="0">
@@ -7883,7 +7943,7 @@
                   <a:srgbClr val="FF0000"/>
                 </a:solidFill>
               </a:rPr>
-              <a:t>添加图片</a:t>
+              <a:t>https://www.zhihu.com/question/20862617</a:t>
             </a:r>
             <a:endParaRPr lang="zh-CN" altLang="en-US">
               <a:solidFill>
@@ -7896,12 +7956,100 @@
               <a:buNone/>
             </a:pPr>
             <a:r>
+              <a:rPr lang="zh-CN" altLang="en-US" sz="1800">
+                <a:solidFill>
+                  <a:srgbClr val="FF0000"/>
+                </a:solidFill>
+              </a:rPr>
+              <a:t>Go的调度器内部有三个重要的结构：</a:t>
+            </a:r>
+            <a:endParaRPr lang="zh-CN" altLang="en-US" sz="1800">
+              <a:solidFill>
+                <a:srgbClr val="FF0000"/>
+              </a:solidFill>
+            </a:endParaRPr>
+          </a:p>
+          <a:p>
+            <a:pPr marL="0" indent="0">
+              <a:buNone/>
+            </a:pPr>
+            <a:r>
+              <a:rPr lang="zh-CN" altLang="en-US" sz="1800">
+                <a:solidFill>
+                  <a:srgbClr val="FF0000"/>
+                </a:solidFill>
+              </a:rPr>
+              <a:t>M，P，</a:t>
+            </a:r>
+            <a:r>
+              <a:rPr lang="en-US" altLang="zh-CN" sz="1800">
+                <a:solidFill>
+                  <a:srgbClr val="FF0000"/>
+                </a:solidFill>
+              </a:rPr>
+              <a:t>G</a:t>
+            </a:r>
+            <a:endParaRPr lang="en-US" altLang="zh-CN" sz="1800">
+              <a:solidFill>
+                <a:srgbClr val="FF0000"/>
+              </a:solidFill>
+            </a:endParaRPr>
+          </a:p>
+          <a:p>
+            <a:pPr marL="0" indent="0">
+              <a:buNone/>
+            </a:pPr>
+            <a:r>
+              <a:rPr lang="zh-CN" altLang="en-US" sz="1800">
+                <a:solidFill>
+                  <a:srgbClr val="FF0000"/>
+                </a:solidFill>
+              </a:rPr>
+              <a:t>M:代表真正的内核OS线程，和POSIX里的thread差不多，真正干活的人</a:t>
+            </a:r>
+            <a:endParaRPr lang="zh-CN" altLang="en-US" sz="1800">
+              <a:solidFill>
+                <a:srgbClr val="FF0000"/>
+              </a:solidFill>
+            </a:endParaRPr>
+          </a:p>
+          <a:p>
+            <a:pPr marL="0" indent="0">
+              <a:buNone/>
+            </a:pPr>
+            <a:r>
+              <a:rPr lang="zh-CN" altLang="en-US" sz="1800">
+                <a:solidFill>
+                  <a:srgbClr val="FF0000"/>
+                </a:solidFill>
+              </a:rPr>
+              <a:t>G:代表一个goroutine，它有自己的栈，instruction pointer和其他信息（正在等待的channel等等），用于调度。</a:t>
+            </a:r>
+            <a:endParaRPr lang="zh-CN" altLang="en-US" sz="1800">
+              <a:solidFill>
+                <a:srgbClr val="FF0000"/>
+              </a:solidFill>
+            </a:endParaRPr>
+          </a:p>
+          <a:p>
+            <a:pPr marL="0" indent="0">
+              <a:buNone/>
+            </a:pPr>
+            <a:r>
+              <a:rPr lang="zh-CN" altLang="en-US" sz="1800">
+                <a:solidFill>
+                  <a:srgbClr val="FF0000"/>
+                </a:solidFill>
+              </a:rPr>
+              <a:t>P:代表调度的上下文，可以把它看做一个局部的调度器，使go代码在一个线程上跑，它是实现从N:1到N:M映射的关键</a:t>
+            </a:r>
+            <a:r>
               <a:rPr lang="zh-CN" altLang="en-US">
                 <a:solidFill>
                   <a:srgbClr val="FF0000"/>
                 </a:solidFill>
               </a:rPr>
-              <a:t>https://www.zhihu.com/question/20862617</a:t>
+              <a:t>。</a:t>
             </a:r>
             <a:endParaRPr lang="zh-CN" altLang="en-US">
               <a:solidFill>
@@ -7909,8 +8057,76 @@
               </a:solidFill>
             </a:endParaRPr>
           </a:p>
-        </p:txBody>
-      </p:sp>
+          <a:p>
+            <a:pPr marL="0" indent="0">
+              <a:buNone/>
+            </a:pPr>
+            <a:endParaRPr lang="zh-CN" altLang="en-US">
+              <a:solidFill>
+                <a:srgbClr val="FF0000"/>
+              </a:solidFill>
+            </a:endParaRPr>
+          </a:p>
+          <a:p>
+            <a:pPr marL="0" indent="0">
+              <a:buNone/>
+            </a:pPr>
+            <a:endParaRPr lang="zh-CN" altLang="en-US">
+              <a:solidFill>
+                <a:srgbClr val="FF0000"/>
+              </a:solidFill>
+            </a:endParaRPr>
+          </a:p>
+        </p:txBody>
+      </p:sp>
+      <p:pic>
+        <p:nvPicPr>
+          <p:cNvPr id="5" name="图片 4"/>
+          <p:cNvPicPr>
+            <a:picLocks noChangeAspect="1"/>
+          </p:cNvPicPr>
+          <p:nvPr/>
+        </p:nvPicPr>
+        <p:blipFill>
+          <a:blip r:embed="rId1"/>
+          <a:stretch>
+            <a:fillRect/>
+          </a:stretch>
+        </p:blipFill>
+        <p:spPr>
+          <a:xfrm>
+            <a:off x="7390130" y="1567180"/>
+            <a:ext cx="3579495" cy="3499485"/>
+          </a:xfrm>
+          <a:prstGeom prst="rect">
+            <a:avLst/>
+          </a:prstGeom>
+        </p:spPr>
+      </p:pic>
+      <p:pic>
+        <p:nvPicPr>
+          <p:cNvPr id="6" name="图片 5"/>
+          <p:cNvPicPr>
+            <a:picLocks noChangeAspect="1"/>
+          </p:cNvPicPr>
+          <p:nvPr/>
+        </p:nvPicPr>
+        <p:blipFill>
+          <a:blip r:embed="rId2"/>
+          <a:stretch>
+            <a:fillRect/>
+          </a:stretch>
+        </p:blipFill>
+        <p:spPr>
+          <a:xfrm>
+            <a:off x="7390130" y="5066665"/>
+            <a:ext cx="1405890" cy="1036320"/>
+          </a:xfrm>
+          <a:prstGeom prst="rect">
+            <a:avLst/>
+          </a:prstGeom>
+        </p:spPr>
+      </p:pic>
     </p:spTree>
   </p:cSld>
   <p:clrMapOvr>
@@ -7978,7 +8194,7 @@
         <p:spPr/>
         <p:txBody>
           <a:bodyPr>
-            <a:normAutofit fontScale="60000"/>
+            <a:normAutofit fontScale="50000"/>
           </a:bodyPr>
           <a:p>
             <a:pPr marL="0" indent="0">
@@ -8050,7 +8266,23 @@
                   <a:srgbClr val="FF0000"/>
                 </a:solidFill>
               </a:rPr>
-              <a:t>go wrapper(17, c);</a:t>
+              <a:t>go wrapper(17, c); </a:t>
+            </a:r>
+            <a:r>
+              <a:rPr lang="en-US" altLang="zh-CN">
+                <a:solidFill>
+                  <a:srgbClr val="FF0000"/>
+                </a:solidFill>
+              </a:rPr>
+              <a:t>//</a:t>
+            </a:r>
+            <a:r>
+              <a:rPr lang="zh-CN" altLang="en-US">
+                <a:solidFill>
+                  <a:srgbClr val="FF0000"/>
+                </a:solidFill>
+              </a:rPr>
+              <a:t>这里虽然启动了goroutine，但并不意味着它会得到马上调度，关于goroutine的调度我们稍后再探讨。</a:t>
             </a:r>
             <a:endParaRPr lang="zh-CN" altLang="en-US">
               <a:solidFill>
@@ -10017,6 +10249,30 @@
           </a:prstGeom>
         </p:spPr>
       </p:pic>
+      <p:pic>
+        <p:nvPicPr>
+          <p:cNvPr id="4" name="图片 3"/>
+          <p:cNvPicPr>
+            <a:picLocks noChangeAspect="1"/>
+          </p:cNvPicPr>
+          <p:nvPr/>
+        </p:nvPicPr>
+        <p:blipFill>
+          <a:blip r:embed="rId5"/>
+          <a:stretch>
+            <a:fillRect/>
+          </a:stretch>
+        </p:blipFill>
+        <p:spPr>
+          <a:xfrm>
+            <a:off x="6445885" y="718185"/>
+            <a:ext cx="5222875" cy="3347720"/>
+          </a:xfrm>
+          <a:prstGeom prst="rect">
+            <a:avLst/>
+          </a:prstGeom>
+        </p:spPr>
+      </p:pic>
     </p:spTree>
   </p:cSld>
   <p:clrMapOvr>
@@ -10055,11 +10311,7 @@
             </a:r>
             <a:r>
               <a:rPr lang="en-US" altLang="zh-CN"/>
-              <a:t>-- G</a:t>
-            </a:r>
-            <a:r>
-              <a:rPr lang="en-US" altLang="zh-CN"/>
-              <a:t>rammar</a:t>
+              <a:t>-- Grammar</a:t>
             </a:r>
             <a:endParaRPr lang="en-US" altLang="zh-CN"/>
           </a:p>
